--- a/documentation/presentations/MITRE Term end Presentation/MITRE Term end Presentation.pptx
+++ b/documentation/presentations/MITRE Term end Presentation/MITRE Term end Presentation.pptx
@@ -5,14 +5,15 @@
     <p:sldMasterId id="2147483648" r:id="rId1"/>
   </p:sldMasterIdLst>
   <p:notesMasterIdLst>
-    <p:notesMasterId r:id="rId7"/>
+    <p:notesMasterId r:id="rId8"/>
   </p:notesMasterIdLst>
   <p:sldIdLst>
     <p:sldId id="256" r:id="rId2"/>
     <p:sldId id="257" r:id="rId3"/>
     <p:sldId id="258" r:id="rId4"/>
-    <p:sldId id="260" r:id="rId5"/>
-    <p:sldId id="259" r:id="rId6"/>
+    <p:sldId id="261" r:id="rId5"/>
+    <p:sldId id="260" r:id="rId6"/>
+    <p:sldId id="259" r:id="rId7"/>
   </p:sldIdLst>
   <p:sldSz cx="12192000" cy="6858000"/>
   <p:notesSz cx="6858000" cy="9144000"/>
@@ -201,7 +202,7 @@
           <a:p>
             <a:fld id="{77E45CDB-6A9A-4DB4-B7C7-561211C288AC}" type="datetimeFigureOut">
               <a:rPr lang="en-US" smtClean="0"/>
-              <a:t>11/7/2015</a:t>
+              <a:t>11/9/2015</a:t>
             </a:fld>
             <a:endParaRPr lang="en-US"/>
           </a:p>
@@ -819,22 +820,6 @@
           <a:bodyPr/>
           <a:lstStyle/>
           <a:p>
-            <a:r>
-              <a:rPr lang="en-US" dirty="0" smtClean="0"/>
-              <a:t>Only custom </a:t>
-            </a:r>
-            <a:r>
-              <a:rPr lang="en-US" smtClean="0"/>
-              <a:t>security exists</a:t>
-            </a:r>
-            <a:r>
-              <a:rPr lang="en-US" baseline="0" smtClean="0"/>
-              <a:t> </a:t>
-            </a:r>
-            <a:r>
-              <a:rPr lang="en-US" baseline="0" dirty="0" smtClean="0"/>
-              <a:t>for content providers we want to change that</a:t>
-            </a:r>
             <a:endParaRPr lang="en-US" dirty="0"/>
           </a:p>
         </p:txBody>
@@ -865,7 +850,7 @@
     </p:spTree>
     <p:extLst>
       <p:ext uri="{BB962C8B-B14F-4D97-AF65-F5344CB8AC3E}">
-        <p14:creationId xmlns:p14="http://schemas.microsoft.com/office/powerpoint/2010/main" val="457132066"/>
+        <p14:creationId xmlns:p14="http://schemas.microsoft.com/office/powerpoint/2010/main" val="3145399120"/>
       </p:ext>
     </p:extLst>
   </p:cSld>
@@ -921,6 +906,98 @@
           <a:p>
             <a:r>
               <a:rPr lang="en-US" dirty="0" smtClean="0"/>
+              <a:t>Only custom security exists</a:t>
+            </a:r>
+            <a:r>
+              <a:rPr lang="en-US" baseline="0" dirty="0" smtClean="0"/>
+              <a:t> for content providers we want to change that</a:t>
+            </a:r>
+            <a:endParaRPr lang="en-US" dirty="0"/>
+          </a:p>
+        </p:txBody>
+      </p:sp>
+      <p:sp>
+        <p:nvSpPr>
+          <p:cNvPr id="4" name="Slide Number Placeholder 3"/>
+          <p:cNvSpPr>
+            <a:spLocks noGrp="1"/>
+          </p:cNvSpPr>
+          <p:nvPr>
+            <p:ph type="sldNum" sz="quarter" idx="10"/>
+          </p:nvPr>
+        </p:nvSpPr>
+        <p:spPr/>
+        <p:txBody>
+          <a:bodyPr/>
+          <a:lstStyle/>
+          <a:p>
+            <a:fld id="{8031B292-E6C6-48A3-B671-C84CE64C7432}" type="slidenum">
+              <a:rPr lang="en-US" smtClean="0"/>
+              <a:t>5</a:t>
+            </a:fld>
+            <a:endParaRPr lang="en-US"/>
+          </a:p>
+        </p:txBody>
+      </p:sp>
+    </p:spTree>
+    <p:extLst>
+      <p:ext uri="{BB962C8B-B14F-4D97-AF65-F5344CB8AC3E}">
+        <p14:creationId xmlns:p14="http://schemas.microsoft.com/office/powerpoint/2010/main" val="457132066"/>
+      </p:ext>
+    </p:extLst>
+  </p:cSld>
+  <p:clrMapOvr>
+    <a:masterClrMapping/>
+  </p:clrMapOvr>
+</p:notes>
+</file>
+
+<file path=ppt/notesSlides/notesSlide6.xml><?xml version="1.0" encoding="utf-8"?>
+<p:notes xmlns:a="http://schemas.openxmlformats.org/drawingml/2006/main" xmlns:r="http://schemas.openxmlformats.org/officeDocument/2006/relationships" xmlns:p="http://schemas.openxmlformats.org/presentationml/2006/main">
+  <p:cSld>
+    <p:spTree>
+      <p:nvGrpSpPr>
+        <p:cNvPr id="1" name=""/>
+        <p:cNvGrpSpPr/>
+        <p:nvPr/>
+      </p:nvGrpSpPr>
+      <p:grpSpPr>
+        <a:xfrm>
+          <a:off x="0" y="0"/>
+          <a:ext cx="0" cy="0"/>
+          <a:chOff x="0" y="0"/>
+          <a:chExt cx="0" cy="0"/>
+        </a:xfrm>
+      </p:grpSpPr>
+      <p:sp>
+        <p:nvSpPr>
+          <p:cNvPr id="2" name="Slide Image Placeholder 1"/>
+          <p:cNvSpPr>
+            <a:spLocks noGrp="1" noRot="1" noChangeAspect="1"/>
+          </p:cNvSpPr>
+          <p:nvPr>
+            <p:ph type="sldImg"/>
+          </p:nvPr>
+        </p:nvSpPr>
+        <p:spPr/>
+      </p:sp>
+      <p:sp>
+        <p:nvSpPr>
+          <p:cNvPr id="3" name="Notes Placeholder 2"/>
+          <p:cNvSpPr>
+            <a:spLocks noGrp="1"/>
+          </p:cNvSpPr>
+          <p:nvPr>
+            <p:ph type="body" idx="1"/>
+          </p:nvPr>
+        </p:nvSpPr>
+        <p:spPr/>
+        <p:txBody>
+          <a:bodyPr/>
+          <a:lstStyle/>
+          <a:p>
+            <a:r>
+              <a:rPr lang="en-US" dirty="0" smtClean="0"/>
               <a:t>The rule</a:t>
             </a:r>
             <a:r>
@@ -954,7 +1031,7 @@
           <a:p>
             <a:fld id="{8031B292-E6C6-48A3-B671-C84CE64C7432}" type="slidenum">
               <a:rPr lang="en-US" smtClean="0"/>
-              <a:t>5</a:t>
+              <a:t>6</a:t>
             </a:fld>
             <a:endParaRPr lang="en-US"/>
           </a:p>
@@ -1104,7 +1181,7 @@
           <a:p>
             <a:fld id="{6A4119BD-3084-4ADA-94D7-8D29B7C40EB9}" type="datetimeFigureOut">
               <a:rPr lang="en-US" smtClean="0"/>
-              <a:t>11/7/2015</a:t>
+              <a:t>11/9/2015</a:t>
             </a:fld>
             <a:endParaRPr lang="en-US"/>
           </a:p>
@@ -1274,7 +1351,7 @@
           <a:p>
             <a:fld id="{6A4119BD-3084-4ADA-94D7-8D29B7C40EB9}" type="datetimeFigureOut">
               <a:rPr lang="en-US" smtClean="0"/>
-              <a:t>11/7/2015</a:t>
+              <a:t>11/9/2015</a:t>
             </a:fld>
             <a:endParaRPr lang="en-US"/>
           </a:p>
@@ -1454,7 +1531,7 @@
           <a:p>
             <a:fld id="{6A4119BD-3084-4ADA-94D7-8D29B7C40EB9}" type="datetimeFigureOut">
               <a:rPr lang="en-US" smtClean="0"/>
-              <a:t>11/7/2015</a:t>
+              <a:t>11/9/2015</a:t>
             </a:fld>
             <a:endParaRPr lang="en-US"/>
           </a:p>
@@ -1624,7 +1701,7 @@
           <a:p>
             <a:fld id="{6A4119BD-3084-4ADA-94D7-8D29B7C40EB9}" type="datetimeFigureOut">
               <a:rPr lang="en-US" smtClean="0"/>
-              <a:t>11/7/2015</a:t>
+              <a:t>11/9/2015</a:t>
             </a:fld>
             <a:endParaRPr lang="en-US"/>
           </a:p>
@@ -1870,7 +1947,7 @@
           <a:p>
             <a:fld id="{6A4119BD-3084-4ADA-94D7-8D29B7C40EB9}" type="datetimeFigureOut">
               <a:rPr lang="en-US" smtClean="0"/>
-              <a:t>11/7/2015</a:t>
+              <a:t>11/9/2015</a:t>
             </a:fld>
             <a:endParaRPr lang="en-US"/>
           </a:p>
@@ -2102,7 +2179,7 @@
           <a:p>
             <a:fld id="{6A4119BD-3084-4ADA-94D7-8D29B7C40EB9}" type="datetimeFigureOut">
               <a:rPr lang="en-US" smtClean="0"/>
-              <a:t>11/7/2015</a:t>
+              <a:t>11/9/2015</a:t>
             </a:fld>
             <a:endParaRPr lang="en-US"/>
           </a:p>
@@ -2469,7 +2546,7 @@
           <a:p>
             <a:fld id="{6A4119BD-3084-4ADA-94D7-8D29B7C40EB9}" type="datetimeFigureOut">
               <a:rPr lang="en-US" smtClean="0"/>
-              <a:t>11/7/2015</a:t>
+              <a:t>11/9/2015</a:t>
             </a:fld>
             <a:endParaRPr lang="en-US"/>
           </a:p>
@@ -2587,7 +2664,7 @@
           <a:p>
             <a:fld id="{6A4119BD-3084-4ADA-94D7-8D29B7C40EB9}" type="datetimeFigureOut">
               <a:rPr lang="en-US" smtClean="0"/>
-              <a:t>11/7/2015</a:t>
+              <a:t>11/9/2015</a:t>
             </a:fld>
             <a:endParaRPr lang="en-US"/>
           </a:p>
@@ -2682,7 +2759,7 @@
           <a:p>
             <a:fld id="{6A4119BD-3084-4ADA-94D7-8D29B7C40EB9}" type="datetimeFigureOut">
               <a:rPr lang="en-US" smtClean="0"/>
-              <a:t>11/7/2015</a:t>
+              <a:t>11/9/2015</a:t>
             </a:fld>
             <a:endParaRPr lang="en-US"/>
           </a:p>
@@ -2959,7 +3036,7 @@
           <a:p>
             <a:fld id="{6A4119BD-3084-4ADA-94D7-8D29B7C40EB9}" type="datetimeFigureOut">
               <a:rPr lang="en-US" smtClean="0"/>
-              <a:t>11/7/2015</a:t>
+              <a:t>11/9/2015</a:t>
             </a:fld>
             <a:endParaRPr lang="en-US"/>
           </a:p>
@@ -3212,7 +3289,7 @@
           <a:p>
             <a:fld id="{6A4119BD-3084-4ADA-94D7-8D29B7C40EB9}" type="datetimeFigureOut">
               <a:rPr lang="en-US" smtClean="0"/>
-              <a:t>11/7/2015</a:t>
+              <a:t>11/9/2015</a:t>
             </a:fld>
             <a:endParaRPr lang="en-US"/>
           </a:p>
@@ -3425,7 +3502,7 @@
           <a:p>
             <a:fld id="{6A4119BD-3084-4ADA-94D7-8D29B7C40EB9}" type="datetimeFigureOut">
               <a:rPr lang="en-US" smtClean="0"/>
-              <a:t>11/7/2015</a:t>
+              <a:t>11/9/2015</a:t>
             </a:fld>
             <a:endParaRPr lang="en-US"/>
           </a:p>
@@ -4020,6 +4097,36 @@
           <a:chExt cx="0" cy="0"/>
         </a:xfrm>
       </p:grpSpPr>
+      <p:pic>
+        <p:nvPicPr>
+          <p:cNvPr id="13" name="Picture 12"/>
+          <p:cNvPicPr>
+            <a:picLocks noChangeAspect="1"/>
+          </p:cNvPicPr>
+          <p:nvPr/>
+        </p:nvPicPr>
+        <p:blipFill>
+          <a:blip r:embed="rId3" cstate="print">
+            <a:extLst>
+              <a:ext uri="{28A0092B-C50C-407E-A947-70E740481C1C}">
+                <a14:useLocalDpi xmlns:a14="http://schemas.microsoft.com/office/drawing/2010/main" val="0"/>
+              </a:ext>
+            </a:extLst>
+          </a:blip>
+          <a:stretch>
+            <a:fillRect/>
+          </a:stretch>
+        </p:blipFill>
+        <p:spPr>
+          <a:xfrm>
+            <a:off x="330290" y="2844101"/>
+            <a:ext cx="2257818" cy="4013899"/>
+          </a:xfrm>
+          <a:prstGeom prst="rect">
+            <a:avLst/>
+          </a:prstGeom>
+        </p:spPr>
+      </p:pic>
       <p:sp>
         <p:nvSpPr>
           <p:cNvPr id="5" name="Title 4"/>
@@ -4047,14 +4154,7 @@
                 <a:latin typeface="Times New Roman" panose="02020603050405020304" pitchFamily="18" charset="0"/>
                 <a:cs typeface="Times New Roman" panose="02020603050405020304" pitchFamily="18" charset="0"/>
               </a:rPr>
-              <a:t>Content Provider </a:t>
-            </a:r>
-            <a:r>
-              <a:rPr lang="en-US" sz="3800" dirty="0" smtClean="0">
-                <a:latin typeface="Times New Roman" panose="02020603050405020304" pitchFamily="18" charset="0"/>
-                <a:cs typeface="Times New Roman" panose="02020603050405020304" pitchFamily="18" charset="0"/>
-              </a:rPr>
-              <a:t>Vulnerability: A Heuristics Based Approach</a:t>
+              <a:t>Content Provider Vulnerability: A Heuristics Based Approach</a:t>
             </a:r>
             <a:endParaRPr lang="en-US" sz="3800" dirty="0">
               <a:latin typeface="Times New Roman" panose="02020603050405020304" pitchFamily="18" charset="0"/>
@@ -4072,13 +4172,13 @@
           <p:nvPr>
             <p:extLst>
               <p:ext uri="{D42A27DB-BD31-4B8C-83A1-F6EECF244321}">
-                <p14:modId xmlns:p14="http://schemas.microsoft.com/office/powerpoint/2010/main" val="2475547431"/>
+                <p14:modId xmlns:p14="http://schemas.microsoft.com/office/powerpoint/2010/main" val="149492342"/>
               </p:ext>
             </p:extLst>
           </p:nvPr>
         </p:nvGraphicFramePr>
         <p:xfrm>
-          <a:off x="1943652" y="989901"/>
+          <a:off x="330290" y="964527"/>
           <a:ext cx="8304696" cy="1854200"/>
         </p:xfrm>
         <a:graphic>
@@ -4430,7 +4530,7 @@
           <p:nvPr/>
         </p:nvPicPr>
         <p:blipFill>
-          <a:blip r:embed="rId3" cstate="print">
+          <a:blip r:embed="rId4" cstate="print">
             <a:extLst>
               <a:ext uri="{28A0092B-C50C-407E-A947-70E740481C1C}">
                 <a14:useLocalDpi xmlns:a14="http://schemas.microsoft.com/office/drawing/2010/main" val="0"/>
@@ -4460,7 +4560,7 @@
           <p:nvPr/>
         </p:nvPicPr>
         <p:blipFill>
-          <a:blip r:embed="rId4" cstate="print">
+          <a:blip r:embed="rId3" cstate="print">
             <a:extLst>
               <a:ext uri="{28A0092B-C50C-407E-A947-70E740481C1C}">
                 <a14:useLocalDpi xmlns:a14="http://schemas.microsoft.com/office/drawing/2010/main" val="0"/>
@@ -4483,14 +4583,14 @@
       </p:pic>
       <p:pic>
         <p:nvPicPr>
-          <p:cNvPr id="7" name="Picture 6"/>
+          <p:cNvPr id="8" name="Picture 7"/>
           <p:cNvPicPr>
             <a:picLocks noChangeAspect="1"/>
           </p:cNvPicPr>
           <p:nvPr/>
         </p:nvPicPr>
         <p:blipFill>
-          <a:blip r:embed="rId5" cstate="print">
+          <a:blip r:embed="rId3" cstate="print">
             <a:extLst>
               <a:ext uri="{28A0092B-C50C-407E-A947-70E740481C1C}">
                 <a14:useLocalDpi xmlns:a14="http://schemas.microsoft.com/office/drawing/2010/main" val="0"/>
@@ -4503,8 +4603,420 @@
         </p:blipFill>
         <p:spPr>
           <a:xfrm>
-            <a:off x="9620909" y="2844099"/>
+            <a:off x="9620909" y="2844101"/>
             <a:ext cx="2257818" cy="4013899"/>
+          </a:xfrm>
+          <a:prstGeom prst="rect">
+            <a:avLst/>
+          </a:prstGeom>
+        </p:spPr>
+      </p:pic>
+      <p:sp>
+        <p:nvSpPr>
+          <p:cNvPr id="9" name="TextBox 8"/>
+          <p:cNvSpPr txBox="1"/>
+          <p:nvPr/>
+        </p:nvSpPr>
+        <p:spPr>
+          <a:xfrm>
+            <a:off x="9620909" y="5282142"/>
+            <a:ext cx="2257818" cy="1323439"/>
+          </a:xfrm>
+          <a:prstGeom prst="rect">
+            <a:avLst/>
+          </a:prstGeom>
+          <a:noFill/>
+        </p:spPr>
+        <p:txBody>
+          <a:bodyPr wrap="square" rtlCol="0">
+            <a:spAutoFit/>
+          </a:bodyPr>
+          <a:lstStyle/>
+          <a:p>
+            <a:pPr algn="ctr"/>
+            <a:r>
+              <a:rPr lang="en-US" sz="2000" dirty="0">
+                <a:solidFill>
+                  <a:srgbClr val="00B050"/>
+                </a:solidFill>
+                <a:latin typeface="Times New Roman" panose="02020603050405020304" pitchFamily="18" charset="0"/>
+                <a:cs typeface="Times New Roman" panose="02020603050405020304" pitchFamily="18" charset="0"/>
+              </a:rPr>
+              <a:t>Android </a:t>
+            </a:r>
+            <a:r>
+              <a:rPr lang="en-US" sz="2000" dirty="0" smtClean="0">
+                <a:solidFill>
+                  <a:srgbClr val="00B050"/>
+                </a:solidFill>
+                <a:latin typeface="Times New Roman" panose="02020603050405020304" pitchFamily="18" charset="0"/>
+                <a:cs typeface="Times New Roman" panose="02020603050405020304" pitchFamily="18" charset="0"/>
+              </a:rPr>
+              <a:t>content </a:t>
+            </a:r>
+            <a:r>
+              <a:rPr lang="en-US" sz="2000" dirty="0">
+                <a:solidFill>
+                  <a:srgbClr val="00B050"/>
+                </a:solidFill>
+                <a:latin typeface="Times New Roman" panose="02020603050405020304" pitchFamily="18" charset="0"/>
+                <a:cs typeface="Times New Roman" panose="02020603050405020304" pitchFamily="18" charset="0"/>
+              </a:rPr>
+              <a:t>provider </a:t>
+            </a:r>
+            <a:r>
+              <a:rPr lang="en-US" sz="2000" dirty="0" smtClean="0">
+                <a:solidFill>
+                  <a:srgbClr val="00B050"/>
+                </a:solidFill>
+                <a:latin typeface="Times New Roman" panose="02020603050405020304" pitchFamily="18" charset="0"/>
+                <a:cs typeface="Times New Roman" panose="02020603050405020304" pitchFamily="18" charset="0"/>
+              </a:rPr>
+              <a:t>permission exists</a:t>
+            </a:r>
+            <a:r>
+              <a:rPr lang="en-US" sz="2000" dirty="0" smtClean="0">
+                <a:latin typeface="Times New Roman" panose="02020603050405020304" pitchFamily="18" charset="0"/>
+                <a:cs typeface="Times New Roman" panose="02020603050405020304" pitchFamily="18" charset="0"/>
+              </a:rPr>
+              <a:t> and </a:t>
+            </a:r>
+            <a:r>
+              <a:rPr lang="en-US" sz="2000" dirty="0" smtClean="0">
+                <a:solidFill>
+                  <a:srgbClr val="00B050"/>
+                </a:solidFill>
+                <a:latin typeface="Times New Roman" panose="02020603050405020304" pitchFamily="18" charset="0"/>
+                <a:cs typeface="Times New Roman" panose="02020603050405020304" pitchFamily="18" charset="0"/>
+              </a:rPr>
+              <a:t>accessed</a:t>
+            </a:r>
+            <a:endParaRPr lang="en-US" sz="2000" dirty="0">
+              <a:solidFill>
+                <a:srgbClr val="00B050"/>
+              </a:solidFill>
+              <a:latin typeface="Times New Roman" panose="02020603050405020304" pitchFamily="18" charset="0"/>
+              <a:cs typeface="Times New Roman" panose="02020603050405020304" pitchFamily="18" charset="0"/>
+            </a:endParaRPr>
+          </a:p>
+          <a:p>
+            <a:pPr algn="ctr"/>
+            <a:r>
+              <a:rPr lang="en-US" sz="2000" dirty="0">
+                <a:solidFill>
+                  <a:srgbClr val="00B050"/>
+                </a:solidFill>
+                <a:latin typeface="Times New Roman" panose="02020603050405020304" pitchFamily="18" charset="0"/>
+                <a:cs typeface="Times New Roman" panose="02020603050405020304" pitchFamily="18" charset="0"/>
+              </a:rPr>
+              <a:t>with permission</a:t>
+            </a:r>
+          </a:p>
+        </p:txBody>
+      </p:sp>
+      <p:sp>
+        <p:nvSpPr>
+          <p:cNvPr id="10" name="TextBox 9"/>
+          <p:cNvSpPr txBox="1"/>
+          <p:nvPr/>
+        </p:nvSpPr>
+        <p:spPr>
+          <a:xfrm>
+            <a:off x="3427163" y="4965546"/>
+            <a:ext cx="2257818" cy="1631216"/>
+          </a:xfrm>
+          <a:prstGeom prst="rect">
+            <a:avLst/>
+          </a:prstGeom>
+          <a:noFill/>
+        </p:spPr>
+        <p:txBody>
+          <a:bodyPr wrap="square" rtlCol="0">
+            <a:spAutoFit/>
+          </a:bodyPr>
+          <a:lstStyle/>
+          <a:p>
+            <a:pPr algn="ctr"/>
+            <a:r>
+              <a:rPr lang="en-US" sz="2000" dirty="0">
+                <a:solidFill>
+                  <a:srgbClr val="FF0000"/>
+                </a:solidFill>
+                <a:latin typeface="Times New Roman" panose="02020603050405020304" pitchFamily="18" charset="0"/>
+                <a:cs typeface="Times New Roman" panose="02020603050405020304" pitchFamily="18" charset="0"/>
+              </a:rPr>
+              <a:t>Android </a:t>
+            </a:r>
+            <a:r>
+              <a:rPr lang="en-US" sz="2000" dirty="0" smtClean="0">
+                <a:solidFill>
+                  <a:srgbClr val="FF0000"/>
+                </a:solidFill>
+                <a:latin typeface="Times New Roman" panose="02020603050405020304" pitchFamily="18" charset="0"/>
+                <a:cs typeface="Times New Roman" panose="02020603050405020304" pitchFamily="18" charset="0"/>
+              </a:rPr>
+              <a:t>content </a:t>
+            </a:r>
+            <a:r>
+              <a:rPr lang="en-US" sz="2000" dirty="0">
+                <a:solidFill>
+                  <a:srgbClr val="FF0000"/>
+                </a:solidFill>
+                <a:latin typeface="Times New Roman" panose="02020603050405020304" pitchFamily="18" charset="0"/>
+                <a:cs typeface="Times New Roman" panose="02020603050405020304" pitchFamily="18" charset="0"/>
+              </a:rPr>
+              <a:t>provider </a:t>
+            </a:r>
+            <a:r>
+              <a:rPr lang="en-US" sz="2000" dirty="0" smtClean="0">
+                <a:solidFill>
+                  <a:srgbClr val="FF0000"/>
+                </a:solidFill>
+                <a:latin typeface="Times New Roman" panose="02020603050405020304" pitchFamily="18" charset="0"/>
+                <a:cs typeface="Times New Roman" panose="02020603050405020304" pitchFamily="18" charset="0"/>
+              </a:rPr>
+              <a:t>permission doesn’t exist</a:t>
+            </a:r>
+            <a:r>
+              <a:rPr lang="en-US" sz="2000" dirty="0" smtClean="0">
+                <a:latin typeface="Times New Roman" panose="02020603050405020304" pitchFamily="18" charset="0"/>
+                <a:cs typeface="Times New Roman" panose="02020603050405020304" pitchFamily="18" charset="0"/>
+              </a:rPr>
+              <a:t> and but </a:t>
+            </a:r>
+            <a:r>
+              <a:rPr lang="en-US" sz="2000" dirty="0" smtClean="0">
+                <a:solidFill>
+                  <a:srgbClr val="00B050"/>
+                </a:solidFill>
+                <a:latin typeface="Times New Roman" panose="02020603050405020304" pitchFamily="18" charset="0"/>
+                <a:cs typeface="Times New Roman" panose="02020603050405020304" pitchFamily="18" charset="0"/>
+              </a:rPr>
+              <a:t>dummy permission used</a:t>
+            </a:r>
+            <a:endParaRPr lang="en-US" sz="2000" dirty="0">
+              <a:solidFill>
+                <a:srgbClr val="00B050"/>
+              </a:solidFill>
+              <a:latin typeface="Times New Roman" panose="02020603050405020304" pitchFamily="18" charset="0"/>
+              <a:cs typeface="Times New Roman" panose="02020603050405020304" pitchFamily="18" charset="0"/>
+            </a:endParaRPr>
+          </a:p>
+        </p:txBody>
+      </p:sp>
+      <p:sp>
+        <p:nvSpPr>
+          <p:cNvPr id="11" name="TextBox 10"/>
+          <p:cNvSpPr txBox="1"/>
+          <p:nvPr/>
+        </p:nvSpPr>
+        <p:spPr>
+          <a:xfrm>
+            <a:off x="6524036" y="6205471"/>
+            <a:ext cx="2257818" cy="400110"/>
+          </a:xfrm>
+          <a:prstGeom prst="rect">
+            <a:avLst/>
+          </a:prstGeom>
+          <a:noFill/>
+        </p:spPr>
+        <p:txBody>
+          <a:bodyPr wrap="square" rtlCol="0">
+            <a:spAutoFit/>
+          </a:bodyPr>
+          <a:lstStyle/>
+          <a:p>
+            <a:pPr algn="ctr"/>
+            <a:r>
+              <a:rPr lang="fr-FR" sz="2000" dirty="0" smtClean="0">
+                <a:solidFill>
+                  <a:srgbClr val="FF0000"/>
+                </a:solidFill>
+                <a:latin typeface="Times New Roman" panose="02020603050405020304" pitchFamily="18" charset="0"/>
+                <a:cs typeface="Times New Roman" panose="02020603050405020304" pitchFamily="18" charset="0"/>
+              </a:rPr>
+              <a:t>Permission </a:t>
+            </a:r>
+            <a:r>
+              <a:rPr lang="fr-FR" sz="2000" dirty="0" err="1" smtClean="0">
+                <a:solidFill>
+                  <a:srgbClr val="FF0000"/>
+                </a:solidFill>
+                <a:latin typeface="Times New Roman" panose="02020603050405020304" pitchFamily="18" charset="0"/>
+                <a:cs typeface="Times New Roman" panose="02020603050405020304" pitchFamily="18" charset="0"/>
+              </a:rPr>
+              <a:t>denial</a:t>
+            </a:r>
+            <a:endParaRPr lang="en-US" sz="2000" dirty="0">
+              <a:solidFill>
+                <a:srgbClr val="FF0000"/>
+              </a:solidFill>
+              <a:latin typeface="Times New Roman" panose="02020603050405020304" pitchFamily="18" charset="0"/>
+              <a:cs typeface="Times New Roman" panose="02020603050405020304" pitchFamily="18" charset="0"/>
+            </a:endParaRPr>
+          </a:p>
+        </p:txBody>
+      </p:sp>
+      <p:sp>
+        <p:nvSpPr>
+          <p:cNvPr id="12" name="TextBox 11"/>
+          <p:cNvSpPr txBox="1"/>
+          <p:nvPr/>
+        </p:nvSpPr>
+        <p:spPr>
+          <a:xfrm>
+            <a:off x="342446" y="5282142"/>
+            <a:ext cx="2257818" cy="1323439"/>
+          </a:xfrm>
+          <a:prstGeom prst="rect">
+            <a:avLst/>
+          </a:prstGeom>
+          <a:noFill/>
+        </p:spPr>
+        <p:txBody>
+          <a:bodyPr wrap="square" rtlCol="0">
+            <a:spAutoFit/>
+          </a:bodyPr>
+          <a:lstStyle/>
+          <a:p>
+            <a:pPr algn="ctr"/>
+            <a:r>
+              <a:rPr lang="en-US" sz="2000" dirty="0" smtClean="0">
+                <a:solidFill>
+                  <a:srgbClr val="FF0000"/>
+                </a:solidFill>
+                <a:latin typeface="Times New Roman" panose="02020603050405020304" pitchFamily="18" charset="0"/>
+                <a:cs typeface="Times New Roman" panose="02020603050405020304" pitchFamily="18" charset="0"/>
+              </a:rPr>
+              <a:t>Android </a:t>
+            </a:r>
+            <a:r>
+              <a:rPr lang="en-US" sz="2000" dirty="0">
+                <a:solidFill>
+                  <a:srgbClr val="FF0000"/>
+                </a:solidFill>
+                <a:latin typeface="Times New Roman" panose="02020603050405020304" pitchFamily="18" charset="0"/>
+                <a:cs typeface="Times New Roman" panose="02020603050405020304" pitchFamily="18" charset="0"/>
+              </a:rPr>
+              <a:t>content provider permission doesn’t exist</a:t>
+            </a:r>
+            <a:r>
+              <a:rPr lang="en-US" sz="2000" dirty="0">
+                <a:latin typeface="Times New Roman" panose="02020603050405020304" pitchFamily="18" charset="0"/>
+                <a:cs typeface="Times New Roman" panose="02020603050405020304" pitchFamily="18" charset="0"/>
+              </a:rPr>
+              <a:t> and </a:t>
+            </a:r>
+            <a:r>
+              <a:rPr lang="en-US" sz="2000" dirty="0" smtClean="0">
+                <a:solidFill>
+                  <a:srgbClr val="FF0000"/>
+                </a:solidFill>
+                <a:latin typeface="Times New Roman" panose="02020603050405020304" pitchFamily="18" charset="0"/>
+                <a:cs typeface="Times New Roman" panose="02020603050405020304" pitchFamily="18" charset="0"/>
+              </a:rPr>
+              <a:t>no permission used</a:t>
+            </a:r>
+            <a:endParaRPr lang="en-US" sz="2000" dirty="0">
+              <a:solidFill>
+                <a:srgbClr val="FF0000"/>
+              </a:solidFill>
+              <a:latin typeface="Times New Roman" panose="02020603050405020304" pitchFamily="18" charset="0"/>
+              <a:cs typeface="Times New Roman" panose="02020603050405020304" pitchFamily="18" charset="0"/>
+            </a:endParaRPr>
+          </a:p>
+        </p:txBody>
+      </p:sp>
+      <p:sp>
+        <p:nvSpPr>
+          <p:cNvPr id="14" name="TextBox 13"/>
+          <p:cNvSpPr txBox="1"/>
+          <p:nvPr/>
+        </p:nvSpPr>
+        <p:spPr>
+          <a:xfrm>
+            <a:off x="9183936" y="1686168"/>
+            <a:ext cx="2459113" cy="461665"/>
+          </a:xfrm>
+          <a:prstGeom prst="rect">
+            <a:avLst/>
+          </a:prstGeom>
+          <a:noFill/>
+        </p:spPr>
+        <p:txBody>
+          <a:bodyPr wrap="square" rtlCol="0">
+            <a:spAutoFit/>
+          </a:bodyPr>
+          <a:lstStyle/>
+          <a:p>
+            <a:r>
+              <a:rPr lang="en-US" sz="2400" b="1" dirty="0" smtClean="0">
+                <a:latin typeface="Times New Roman" panose="02020603050405020304" pitchFamily="18" charset="0"/>
+                <a:cs typeface="Times New Roman" panose="02020603050405020304" pitchFamily="18" charset="0"/>
+              </a:rPr>
+              <a:t>Android Lollipop</a:t>
+            </a:r>
+            <a:endParaRPr lang="en-US" sz="2400" b="1" dirty="0">
+              <a:latin typeface="Times New Roman" panose="02020603050405020304" pitchFamily="18" charset="0"/>
+              <a:cs typeface="Times New Roman" panose="02020603050405020304" pitchFamily="18" charset="0"/>
+            </a:endParaRPr>
+          </a:p>
+        </p:txBody>
+      </p:sp>
+    </p:spTree>
+    <p:extLst>
+      <p:ext uri="{BB962C8B-B14F-4D97-AF65-F5344CB8AC3E}">
+        <p14:creationId xmlns:p14="http://schemas.microsoft.com/office/powerpoint/2010/main" val="1076180202"/>
+      </p:ext>
+    </p:extLst>
+  </p:cSld>
+  <p:clrMapOvr>
+    <a:masterClrMapping/>
+  </p:clrMapOvr>
+</p:sld>
+</file>
+
+<file path=ppt/slides/slide4.xml><?xml version="1.0" encoding="utf-8"?>
+<p:sld xmlns:a="http://schemas.openxmlformats.org/drawingml/2006/main" xmlns:r="http://schemas.openxmlformats.org/officeDocument/2006/relationships" xmlns:p="http://schemas.openxmlformats.org/presentationml/2006/main">
+  <p:cSld>
+    <p:spTree>
+      <p:nvGrpSpPr>
+        <p:cNvPr id="1" name=""/>
+        <p:cNvGrpSpPr/>
+        <p:nvPr/>
+      </p:nvGrpSpPr>
+      <p:grpSpPr>
+        <a:xfrm>
+          <a:off x="0" y="0"/>
+          <a:ext cx="0" cy="0"/>
+          <a:chOff x="0" y="0"/>
+          <a:chExt cx="0" cy="0"/>
+        </a:xfrm>
+      </p:grpSpPr>
+      <p:pic>
+        <p:nvPicPr>
+          <p:cNvPr id="18" name="Picture 17"/>
+          <p:cNvPicPr>
+            <a:picLocks noChangeAspect="1"/>
+          </p:cNvPicPr>
+          <p:nvPr/>
+        </p:nvPicPr>
+        <p:blipFill>
+          <a:blip r:embed="rId3" cstate="print">
+            <a:extLst>
+              <a:ext uri="{28A0092B-C50C-407E-A947-70E740481C1C}">
+                <a14:useLocalDpi xmlns:a14="http://schemas.microsoft.com/office/drawing/2010/main" val="0"/>
+              </a:ext>
+            </a:extLst>
+          </a:blip>
+          <a:stretch>
+            <a:fillRect/>
+          </a:stretch>
+        </p:blipFill>
+        <p:spPr>
+          <a:xfrm>
+            <a:off x="405763" y="2676969"/>
+            <a:ext cx="2351830" cy="4181031"/>
           </a:xfrm>
           <a:prstGeom prst="rect">
             <a:avLst/>
@@ -4513,7 +5025,67 @@
       </p:pic>
       <p:pic>
         <p:nvPicPr>
-          <p:cNvPr id="8" name="Picture 7"/>
+          <p:cNvPr id="17" name="Picture 16"/>
+          <p:cNvPicPr>
+            <a:picLocks noChangeAspect="1"/>
+          </p:cNvPicPr>
+          <p:nvPr/>
+        </p:nvPicPr>
+        <p:blipFill>
+          <a:blip r:embed="rId3" cstate="print">
+            <a:extLst>
+              <a:ext uri="{28A0092B-C50C-407E-A947-70E740481C1C}">
+                <a14:useLocalDpi xmlns:a14="http://schemas.microsoft.com/office/drawing/2010/main" val="0"/>
+              </a:ext>
+            </a:extLst>
+          </a:blip>
+          <a:stretch>
+            <a:fillRect/>
+          </a:stretch>
+        </p:blipFill>
+        <p:spPr>
+          <a:xfrm>
+            <a:off x="3333151" y="2670625"/>
+            <a:ext cx="2351830" cy="4181031"/>
+          </a:xfrm>
+          <a:prstGeom prst="rect">
+            <a:avLst/>
+          </a:prstGeom>
+        </p:spPr>
+      </p:pic>
+      <p:pic>
+        <p:nvPicPr>
+          <p:cNvPr id="2" name="Picture 1"/>
+          <p:cNvPicPr>
+            <a:picLocks noChangeAspect="1"/>
+          </p:cNvPicPr>
+          <p:nvPr/>
+        </p:nvPicPr>
+        <p:blipFill>
+          <a:blip r:embed="rId3" cstate="print">
+            <a:extLst>
+              <a:ext uri="{28A0092B-C50C-407E-A947-70E740481C1C}">
+                <a14:useLocalDpi xmlns:a14="http://schemas.microsoft.com/office/drawing/2010/main" val="0"/>
+              </a:ext>
+            </a:extLst>
+          </a:blip>
+          <a:stretch>
+            <a:fillRect/>
+          </a:stretch>
+        </p:blipFill>
+        <p:spPr>
+          <a:xfrm>
+            <a:off x="9264612" y="2653310"/>
+            <a:ext cx="2351830" cy="4181031"/>
+          </a:xfrm>
+          <a:prstGeom prst="rect">
+            <a:avLst/>
+          </a:prstGeom>
+        </p:spPr>
+      </p:pic>
+      <p:pic>
+        <p:nvPicPr>
+          <p:cNvPr id="15" name="Picture 14"/>
           <p:cNvPicPr>
             <a:picLocks noChangeAspect="1"/>
           </p:cNvPicPr>
@@ -4533,8 +5105,8 @@
         </p:blipFill>
         <p:spPr>
           <a:xfrm>
-            <a:off x="330290" y="2844101"/>
-            <a:ext cx="2257818" cy="4013899"/>
+            <a:off x="6336979" y="2653310"/>
+            <a:ext cx="2358002" cy="4192003"/>
           </a:xfrm>
           <a:prstGeom prst="rect">
             <a:avLst/>
@@ -4543,14 +5115,408 @@
       </p:pic>
       <p:sp>
         <p:nvSpPr>
+          <p:cNvPr id="5" name="Title 4"/>
+          <p:cNvSpPr>
+            <a:spLocks noGrp="1"/>
+          </p:cNvSpPr>
+          <p:nvPr>
+            <p:ph type="title"/>
+          </p:nvPr>
+        </p:nvSpPr>
+        <p:spPr>
+          <a:xfrm>
+            <a:off x="0" y="0"/>
+            <a:ext cx="12192000" cy="989901"/>
+          </a:xfrm>
+        </p:spPr>
+        <p:txBody>
+          <a:bodyPr>
+            <a:normAutofit/>
+          </a:bodyPr>
+          <a:lstStyle/>
+          <a:p>
+            <a:r>
+              <a:rPr lang="en-US" sz="3800" dirty="0" smtClean="0">
+                <a:latin typeface="Times New Roman" panose="02020603050405020304" pitchFamily="18" charset="0"/>
+                <a:cs typeface="Times New Roman" panose="02020603050405020304" pitchFamily="18" charset="0"/>
+              </a:rPr>
+              <a:t>Content Provider Vulnerability: A Heuristics Based Approach</a:t>
+            </a:r>
+            <a:endParaRPr lang="en-US" sz="3800" dirty="0">
+              <a:latin typeface="Times New Roman" panose="02020603050405020304" pitchFamily="18" charset="0"/>
+              <a:cs typeface="Times New Roman" panose="02020603050405020304" pitchFamily="18" charset="0"/>
+            </a:endParaRPr>
+          </a:p>
+        </p:txBody>
+      </p:sp>
+      <p:graphicFrame>
+        <p:nvGraphicFramePr>
+          <p:cNvPr id="3" name="Table 2"/>
+          <p:cNvGraphicFramePr>
+            <a:graphicFrameLocks noGrp="1"/>
+          </p:cNvGraphicFramePr>
+          <p:nvPr>
+            <p:extLst>
+              <p:ext uri="{D42A27DB-BD31-4B8C-83A1-F6EECF244321}">
+                <p14:modId xmlns:p14="http://schemas.microsoft.com/office/powerpoint/2010/main" val="1221322108"/>
+              </p:ext>
+            </p:extLst>
+          </p:nvPr>
+        </p:nvGraphicFramePr>
+        <p:xfrm>
+          <a:off x="342446" y="816425"/>
+          <a:ext cx="8304696" cy="1807295"/>
+        </p:xfrm>
+        <a:graphic>
+          <a:graphicData uri="http://schemas.openxmlformats.org/drawingml/2006/table">
+            <a:tbl>
+              <a:tblPr firstRow="1" bandRow="1">
+                <a:tableStyleId>{5C22544A-7EE6-4342-B048-85BDC9FD1C3A}</a:tableStyleId>
+              </a:tblPr>
+              <a:tblGrid>
+                <a:gridCol w="3762513"/>
+                <a:gridCol w="2325757"/>
+                <a:gridCol w="2216426"/>
+              </a:tblGrid>
+              <a:tr h="361459">
+                <a:tc>
+                  <a:txBody>
+                    <a:bodyPr/>
+                    <a:lstStyle/>
+                    <a:p>
+                      <a:pPr algn="l" fontAlgn="b"/>
+                      <a:r>
+                        <a:rPr lang="en-US" sz="1800" b="1" i="0" u="none" strike="noStrike" dirty="0">
+                          <a:solidFill>
+                            <a:srgbClr val="000000"/>
+                          </a:solidFill>
+                          <a:effectLst/>
+                          <a:latin typeface="Times New Roman" panose="02020603050405020304" pitchFamily="18" charset="0"/>
+                          <a:cs typeface="Times New Roman" panose="02020603050405020304" pitchFamily="18" charset="0"/>
+                        </a:rPr>
+                        <a:t>Content Provider app </a:t>
+                      </a:r>
+                    </a:p>
+                  </a:txBody>
+                  <a:tcPr marL="9525" marR="9525" marT="9525" marB="0" anchor="ctr"/>
+                </a:tc>
+                <a:tc>
+                  <a:txBody>
+                    <a:bodyPr/>
+                    <a:lstStyle/>
+                    <a:p>
+                      <a:pPr algn="l" fontAlgn="b"/>
+                      <a:r>
+                        <a:rPr lang="en-US" sz="1800" b="1" i="0" u="none" strike="noStrike">
+                          <a:solidFill>
+                            <a:srgbClr val="000000"/>
+                          </a:solidFill>
+                          <a:effectLst/>
+                          <a:latin typeface="Times New Roman" panose="02020603050405020304" pitchFamily="18" charset="0"/>
+                          <a:cs typeface="Times New Roman" panose="02020603050405020304" pitchFamily="18" charset="0"/>
+                        </a:rPr>
+                        <a:t>Content accessing app</a:t>
+                      </a:r>
+                    </a:p>
+                  </a:txBody>
+                  <a:tcPr marL="9525" marR="9525" marT="9525" marB="0" anchor="ctr"/>
+                </a:tc>
+                <a:tc>
+                  <a:txBody>
+                    <a:bodyPr/>
+                    <a:lstStyle/>
+                    <a:p>
+                      <a:pPr algn="l" fontAlgn="b"/>
+                      <a:r>
+                        <a:rPr lang="en-US" sz="1800" b="1" i="0" u="none" strike="noStrike" dirty="0">
+                          <a:solidFill>
+                            <a:srgbClr val="000000"/>
+                          </a:solidFill>
+                          <a:effectLst/>
+                          <a:latin typeface="Times New Roman" panose="02020603050405020304" pitchFamily="18" charset="0"/>
+                          <a:cs typeface="Times New Roman" panose="02020603050405020304" pitchFamily="18" charset="0"/>
+                        </a:rPr>
+                        <a:t>Remark</a:t>
+                      </a:r>
+                    </a:p>
+                  </a:txBody>
+                  <a:tcPr marL="9525" marR="9525" marT="9525" marB="0" anchor="ctr"/>
+                </a:tc>
+              </a:tr>
+              <a:tr h="361459">
+                <a:tc>
+                  <a:txBody>
+                    <a:bodyPr/>
+                    <a:lstStyle/>
+                    <a:p>
+                      <a:pPr algn="l" fontAlgn="b"/>
+                      <a:r>
+                        <a:rPr lang="en-US" sz="1800" b="0" i="0" u="none" strike="noStrike">
+                          <a:solidFill>
+                            <a:srgbClr val="000000"/>
+                          </a:solidFill>
+                          <a:effectLst/>
+                          <a:latin typeface="Times New Roman" panose="02020603050405020304" pitchFamily="18" charset="0"/>
+                          <a:cs typeface="Times New Roman" panose="02020603050405020304" pitchFamily="18" charset="0"/>
+                        </a:rPr>
+                        <a:t>No permission associated with provider </a:t>
+                      </a:r>
+                    </a:p>
+                  </a:txBody>
+                  <a:tcPr marL="9525" marR="9525" marT="9525" marB="0" anchor="ctr"/>
+                </a:tc>
+                <a:tc>
+                  <a:txBody>
+                    <a:bodyPr/>
+                    <a:lstStyle/>
+                    <a:p>
+                      <a:pPr algn="l" fontAlgn="b"/>
+                      <a:r>
+                        <a:rPr lang="en-US" sz="1800" b="0" i="0" u="none" strike="noStrike">
+                          <a:solidFill>
+                            <a:srgbClr val="000000"/>
+                          </a:solidFill>
+                          <a:effectLst/>
+                          <a:latin typeface="Times New Roman" panose="02020603050405020304" pitchFamily="18" charset="0"/>
+                          <a:cs typeface="Times New Roman" panose="02020603050405020304" pitchFamily="18" charset="0"/>
+                        </a:rPr>
+                        <a:t>No permission used</a:t>
+                      </a:r>
+                    </a:p>
+                  </a:txBody>
+                  <a:tcPr marL="9525" marR="9525" marT="9525" marB="0" anchor="ctr"/>
+                </a:tc>
+                <a:tc>
+                  <a:txBody>
+                    <a:bodyPr/>
+                    <a:lstStyle/>
+                    <a:p>
+                      <a:pPr algn="l" fontAlgn="b"/>
+                      <a:r>
+                        <a:rPr lang="en-US" sz="1800" b="0" i="0" u="none" strike="noStrike">
+                          <a:solidFill>
+                            <a:srgbClr val="000000"/>
+                          </a:solidFill>
+                          <a:effectLst/>
+                          <a:latin typeface="Times New Roman" panose="02020603050405020304" pitchFamily="18" charset="0"/>
+                          <a:cs typeface="Times New Roman" panose="02020603050405020304" pitchFamily="18" charset="0"/>
+                        </a:rPr>
+                        <a:t>Potential data leakage</a:t>
+                      </a:r>
+                    </a:p>
+                  </a:txBody>
+                  <a:tcPr marL="9525" marR="9525" marT="9525" marB="0" anchor="ctr"/>
+                </a:tc>
+              </a:tr>
+              <a:tr h="361459">
+                <a:tc>
+                  <a:txBody>
+                    <a:bodyPr/>
+                    <a:lstStyle/>
+                    <a:p>
+                      <a:pPr algn="l" fontAlgn="b"/>
+                      <a:r>
+                        <a:rPr lang="en-US" sz="1800" b="0" i="0" u="none" strike="noStrike">
+                          <a:solidFill>
+                            <a:srgbClr val="000000"/>
+                          </a:solidFill>
+                          <a:effectLst/>
+                          <a:latin typeface="Times New Roman" panose="02020603050405020304" pitchFamily="18" charset="0"/>
+                          <a:cs typeface="Times New Roman" panose="02020603050405020304" pitchFamily="18" charset="0"/>
+                        </a:rPr>
+                        <a:t>No permission associated with provider </a:t>
+                      </a:r>
+                    </a:p>
+                  </a:txBody>
+                  <a:tcPr marL="9525" marR="9525" marT="9525" marB="0" anchor="ctr"/>
+                </a:tc>
+                <a:tc>
+                  <a:txBody>
+                    <a:bodyPr/>
+                    <a:lstStyle/>
+                    <a:p>
+                      <a:pPr algn="l" fontAlgn="b"/>
+                      <a:r>
+                        <a:rPr lang="en-US" sz="1800" b="0" i="0" u="none" strike="noStrike">
+                          <a:solidFill>
+                            <a:srgbClr val="000000"/>
+                          </a:solidFill>
+                          <a:effectLst/>
+                          <a:latin typeface="Times New Roman" panose="02020603050405020304" pitchFamily="18" charset="0"/>
+                          <a:cs typeface="Times New Roman" panose="02020603050405020304" pitchFamily="18" charset="0"/>
+                        </a:rPr>
+                        <a:t>Permission used</a:t>
+                      </a:r>
+                    </a:p>
+                  </a:txBody>
+                  <a:tcPr marL="9525" marR="9525" marT="9525" marB="0" anchor="ctr"/>
+                </a:tc>
+                <a:tc>
+                  <a:txBody>
+                    <a:bodyPr/>
+                    <a:lstStyle/>
+                    <a:p>
+                      <a:pPr algn="l" fontAlgn="b"/>
+                      <a:r>
+                        <a:rPr lang="en-US" sz="1800" b="0" i="0" u="none" strike="noStrike" dirty="0">
+                          <a:solidFill>
+                            <a:srgbClr val="000000"/>
+                          </a:solidFill>
+                          <a:effectLst/>
+                          <a:latin typeface="Times New Roman" panose="02020603050405020304" pitchFamily="18" charset="0"/>
+                          <a:cs typeface="Times New Roman" panose="02020603050405020304" pitchFamily="18" charset="0"/>
+                        </a:rPr>
+                        <a:t>Potential data leakage</a:t>
+                      </a:r>
+                    </a:p>
+                  </a:txBody>
+                  <a:tcPr marL="9525" marR="9525" marT="9525" marB="0" anchor="ctr"/>
+                </a:tc>
+              </a:tr>
+              <a:tr h="361459">
+                <a:tc>
+                  <a:txBody>
+                    <a:bodyPr/>
+                    <a:lstStyle/>
+                    <a:p>
+                      <a:pPr algn="l" fontAlgn="b"/>
+                      <a:r>
+                        <a:rPr lang="en-US" sz="1800" b="0" i="0" u="none" strike="noStrike">
+                          <a:solidFill>
+                            <a:srgbClr val="000000"/>
+                          </a:solidFill>
+                          <a:effectLst/>
+                          <a:latin typeface="Times New Roman" panose="02020603050405020304" pitchFamily="18" charset="0"/>
+                          <a:cs typeface="Times New Roman" panose="02020603050405020304" pitchFamily="18" charset="0"/>
+                        </a:rPr>
+                        <a:t>Permission associated with provider </a:t>
+                      </a:r>
+                    </a:p>
+                  </a:txBody>
+                  <a:tcPr marL="9525" marR="9525" marT="9525" marB="0" anchor="ctr"/>
+                </a:tc>
+                <a:tc>
+                  <a:txBody>
+                    <a:bodyPr/>
+                    <a:lstStyle/>
+                    <a:p>
+                      <a:pPr algn="l" fontAlgn="b"/>
+                      <a:r>
+                        <a:rPr lang="en-US" sz="1800" b="0" i="0" u="none" strike="noStrike">
+                          <a:solidFill>
+                            <a:srgbClr val="000000"/>
+                          </a:solidFill>
+                          <a:effectLst/>
+                          <a:latin typeface="Times New Roman" panose="02020603050405020304" pitchFamily="18" charset="0"/>
+                          <a:cs typeface="Times New Roman" panose="02020603050405020304" pitchFamily="18" charset="0"/>
+                        </a:rPr>
+                        <a:t>No permission used</a:t>
+                      </a:r>
+                    </a:p>
+                  </a:txBody>
+                  <a:tcPr marL="9525" marR="9525" marT="9525" marB="0" anchor="ctr"/>
+                </a:tc>
+                <a:tc>
+                  <a:txBody>
+                    <a:bodyPr/>
+                    <a:lstStyle/>
+                    <a:p>
+                      <a:pPr algn="l" fontAlgn="b"/>
+                      <a:r>
+                        <a:rPr lang="en-US" sz="1800" b="0" i="0" u="none" strike="noStrike">
+                          <a:solidFill>
+                            <a:srgbClr val="000000"/>
+                          </a:solidFill>
+                          <a:effectLst/>
+                          <a:latin typeface="Times New Roman" panose="02020603050405020304" pitchFamily="18" charset="0"/>
+                          <a:cs typeface="Times New Roman" panose="02020603050405020304" pitchFamily="18" charset="0"/>
+                        </a:rPr>
+                        <a:t>Permission denied</a:t>
+                      </a:r>
+                    </a:p>
+                  </a:txBody>
+                  <a:tcPr marL="9525" marR="9525" marT="9525" marB="0" anchor="ctr"/>
+                </a:tc>
+              </a:tr>
+              <a:tr h="361459">
+                <a:tc>
+                  <a:txBody>
+                    <a:bodyPr/>
+                    <a:lstStyle/>
+                    <a:p>
+                      <a:pPr algn="l" fontAlgn="b"/>
+                      <a:r>
+                        <a:rPr lang="en-US" sz="1800" b="0" i="0" u="none" strike="noStrike">
+                          <a:solidFill>
+                            <a:srgbClr val="000000"/>
+                          </a:solidFill>
+                          <a:effectLst/>
+                          <a:latin typeface="Times New Roman" panose="02020603050405020304" pitchFamily="18" charset="0"/>
+                          <a:cs typeface="Times New Roman" panose="02020603050405020304" pitchFamily="18" charset="0"/>
+                        </a:rPr>
+                        <a:t>Permission associated with provider </a:t>
+                      </a:r>
+                    </a:p>
+                  </a:txBody>
+                  <a:tcPr marL="9525" marR="9525" marT="9525" marB="0" anchor="ctr"/>
+                </a:tc>
+                <a:tc>
+                  <a:txBody>
+                    <a:bodyPr/>
+                    <a:lstStyle/>
+                    <a:p>
+                      <a:pPr algn="l" fontAlgn="b"/>
+                      <a:r>
+                        <a:rPr lang="en-US" sz="1800" b="0" i="0" u="none" strike="noStrike">
+                          <a:solidFill>
+                            <a:srgbClr val="000000"/>
+                          </a:solidFill>
+                          <a:effectLst/>
+                          <a:latin typeface="Times New Roman" panose="02020603050405020304" pitchFamily="18" charset="0"/>
+                          <a:cs typeface="Times New Roman" panose="02020603050405020304" pitchFamily="18" charset="0"/>
+                        </a:rPr>
+                        <a:t>Permission used</a:t>
+                      </a:r>
+                    </a:p>
+                  </a:txBody>
+                  <a:tcPr marL="9525" marR="9525" marT="9525" marB="0" anchor="ctr"/>
+                </a:tc>
+                <a:tc>
+                  <a:txBody>
+                    <a:bodyPr/>
+                    <a:lstStyle/>
+                    <a:p>
+                      <a:pPr algn="l" fontAlgn="b"/>
+                      <a:r>
+                        <a:rPr lang="en-US" sz="1800" b="0" i="0" u="none" strike="noStrike" dirty="0">
+                          <a:solidFill>
+                            <a:srgbClr val="000000"/>
+                          </a:solidFill>
+                          <a:effectLst/>
+                          <a:latin typeface="Times New Roman" panose="02020603050405020304" pitchFamily="18" charset="0"/>
+                          <a:cs typeface="Times New Roman" panose="02020603050405020304" pitchFamily="18" charset="0"/>
+                        </a:rPr>
+                        <a:t>Ideal scenario</a:t>
+                      </a:r>
+                    </a:p>
+                  </a:txBody>
+                  <a:tcPr marL="9525" marR="9525" marT="9525" marB="0" anchor="ctr"/>
+                </a:tc>
+              </a:tr>
+            </a:tbl>
+          </a:graphicData>
+        </a:graphic>
+      </p:graphicFrame>
+      <p:sp>
+        <p:nvSpPr>
           <p:cNvPr id="9" name="TextBox 8"/>
           <p:cNvSpPr txBox="1"/>
           <p:nvPr/>
         </p:nvSpPr>
         <p:spPr>
           <a:xfrm>
-            <a:off x="330290" y="5178286"/>
-            <a:ext cx="2257818" cy="1015663"/>
+            <a:off x="8841121" y="5636084"/>
+            <a:ext cx="3350879" cy="923330"/>
           </a:xfrm>
           <a:prstGeom prst="rect">
             <a:avLst/>
@@ -4565,31 +5531,77 @@
           <a:p>
             <a:pPr algn="ctr"/>
             <a:r>
-              <a:rPr lang="en-US" sz="2000" dirty="0">
+              <a:rPr lang="en-US" dirty="0">
+                <a:solidFill>
+                  <a:srgbClr val="00B050"/>
+                </a:solidFill>
                 <a:latin typeface="Times New Roman" panose="02020603050405020304" pitchFamily="18" charset="0"/>
                 <a:cs typeface="Times New Roman" panose="02020603050405020304" pitchFamily="18" charset="0"/>
               </a:rPr>
               <a:t>Android </a:t>
             </a:r>
             <a:r>
-              <a:rPr lang="en-US" sz="2000" dirty="0" smtClean="0">
+              <a:rPr lang="en-US" dirty="0" smtClean="0">
+                <a:solidFill>
+                  <a:srgbClr val="00B050"/>
+                </a:solidFill>
                 <a:latin typeface="Times New Roman" panose="02020603050405020304" pitchFamily="18" charset="0"/>
                 <a:cs typeface="Times New Roman" panose="02020603050405020304" pitchFamily="18" charset="0"/>
               </a:rPr>
               <a:t>content </a:t>
             </a:r>
             <a:r>
-              <a:rPr lang="en-US" sz="2000" dirty="0">
+              <a:rPr lang="en-US" dirty="0">
+                <a:solidFill>
+                  <a:srgbClr val="00B050"/>
+                </a:solidFill>
                 <a:latin typeface="Times New Roman" panose="02020603050405020304" pitchFamily="18" charset="0"/>
                 <a:cs typeface="Times New Roman" panose="02020603050405020304" pitchFamily="18" charset="0"/>
               </a:rPr>
-              <a:t>provider accessed</a:t>
-            </a:r>
+              <a:t>provider </a:t>
+            </a:r>
+            <a:r>
+              <a:rPr lang="en-US" dirty="0" smtClean="0">
+                <a:solidFill>
+                  <a:srgbClr val="00B050"/>
+                </a:solidFill>
+                <a:latin typeface="Times New Roman" panose="02020603050405020304" pitchFamily="18" charset="0"/>
+                <a:cs typeface="Times New Roman" panose="02020603050405020304" pitchFamily="18" charset="0"/>
+              </a:rPr>
+              <a:t>permission exists</a:t>
+            </a:r>
+            <a:r>
+              <a:rPr lang="en-US" dirty="0" smtClean="0">
+                <a:latin typeface="Times New Roman" panose="02020603050405020304" pitchFamily="18" charset="0"/>
+                <a:cs typeface="Times New Roman" panose="02020603050405020304" pitchFamily="18" charset="0"/>
+              </a:rPr>
+              <a:t> and </a:t>
+            </a:r>
+            <a:r>
+              <a:rPr lang="en-US" dirty="0" smtClean="0">
+                <a:solidFill>
+                  <a:srgbClr val="00B050"/>
+                </a:solidFill>
+                <a:latin typeface="Times New Roman" panose="02020603050405020304" pitchFamily="18" charset="0"/>
+                <a:cs typeface="Times New Roman" panose="02020603050405020304" pitchFamily="18" charset="0"/>
+              </a:rPr>
+              <a:t>accessed</a:t>
+            </a:r>
+            <a:endParaRPr lang="en-US" dirty="0">
+              <a:solidFill>
+                <a:srgbClr val="00B050"/>
+              </a:solidFill>
+              <a:latin typeface="Times New Roman" panose="02020603050405020304" pitchFamily="18" charset="0"/>
+              <a:cs typeface="Times New Roman" panose="02020603050405020304" pitchFamily="18" charset="0"/>
+            </a:endParaRPr>
           </a:p>
           <a:p>
             <a:pPr algn="ctr"/>
             <a:r>
-              <a:rPr lang="en-US" sz="2000" dirty="0">
+              <a:rPr lang="en-US" dirty="0">
+                <a:solidFill>
+                  <a:srgbClr val="00B050"/>
+                </a:solidFill>
                 <a:latin typeface="Times New Roman" panose="02020603050405020304" pitchFamily="18" charset="0"/>
                 <a:cs typeface="Times New Roman" panose="02020603050405020304" pitchFamily="18" charset="0"/>
               </a:rPr>
@@ -4606,8 +5618,8 @@
         </p:nvSpPr>
         <p:spPr>
           <a:xfrm>
-            <a:off x="3427163" y="5178286"/>
-            <a:ext cx="2257818" cy="1015663"/>
+            <a:off x="3102945" y="5636084"/>
+            <a:ext cx="2812241" cy="923330"/>
           </a:xfrm>
           <a:prstGeom prst="rect">
             <a:avLst/>
@@ -4622,43 +5634,69 @@
           <a:p>
             <a:pPr algn="ctr"/>
             <a:r>
-              <a:rPr lang="en-US" sz="2000" dirty="0">
+              <a:rPr lang="en-US" dirty="0">
+                <a:solidFill>
+                  <a:srgbClr val="FF0000"/>
+                </a:solidFill>
                 <a:latin typeface="Times New Roman" panose="02020603050405020304" pitchFamily="18" charset="0"/>
                 <a:cs typeface="Times New Roman" panose="02020603050405020304" pitchFamily="18" charset="0"/>
               </a:rPr>
               <a:t>Android </a:t>
             </a:r>
             <a:r>
-              <a:rPr lang="en-US" sz="2000" dirty="0" smtClean="0">
+              <a:rPr lang="en-US" dirty="0" smtClean="0">
+                <a:solidFill>
+                  <a:srgbClr val="FF0000"/>
+                </a:solidFill>
                 <a:latin typeface="Times New Roman" panose="02020603050405020304" pitchFamily="18" charset="0"/>
                 <a:cs typeface="Times New Roman" panose="02020603050405020304" pitchFamily="18" charset="0"/>
               </a:rPr>
               <a:t>content </a:t>
             </a:r>
             <a:r>
-              <a:rPr lang="en-US" sz="2000" dirty="0">
+              <a:rPr lang="en-US" dirty="0">
+                <a:solidFill>
+                  <a:srgbClr val="FF0000"/>
+                </a:solidFill>
                 <a:latin typeface="Times New Roman" panose="02020603050405020304" pitchFamily="18" charset="0"/>
                 <a:cs typeface="Times New Roman" panose="02020603050405020304" pitchFamily="18" charset="0"/>
               </a:rPr>
-              <a:t>provider accessed</a:t>
-            </a:r>
-          </a:p>
-          <a:p>
-            <a:pPr algn="ctr"/>
-            <a:r>
-              <a:rPr lang="en-US" sz="2000" dirty="0" smtClean="0">
+              <a:t>provider </a:t>
+            </a:r>
+            <a:r>
+              <a:rPr lang="en-US" dirty="0" smtClean="0">
+                <a:solidFill>
+                  <a:srgbClr val="FF0000"/>
+                </a:solidFill>
                 <a:latin typeface="Times New Roman" panose="02020603050405020304" pitchFamily="18" charset="0"/>
                 <a:cs typeface="Times New Roman" panose="02020603050405020304" pitchFamily="18" charset="0"/>
               </a:rPr>
-              <a:t>without </a:t>
-            </a:r>
-            <a:r>
-              <a:rPr lang="en-US" sz="2000" dirty="0">
+              <a:t>permission doesn’t exist</a:t>
+            </a:r>
+            <a:r>
+              <a:rPr lang="en-US" dirty="0" smtClean="0">
                 <a:latin typeface="Times New Roman" panose="02020603050405020304" pitchFamily="18" charset="0"/>
                 <a:cs typeface="Times New Roman" panose="02020603050405020304" pitchFamily="18" charset="0"/>
               </a:rPr>
-              <a:t>permission</a:t>
-            </a:r>
+              <a:t> and but </a:t>
+            </a:r>
+            <a:r>
+              <a:rPr lang="en-US" dirty="0" smtClean="0">
+                <a:solidFill>
+                  <a:srgbClr val="00B050"/>
+                </a:solidFill>
+                <a:latin typeface="Times New Roman" panose="02020603050405020304" pitchFamily="18" charset="0"/>
+                <a:cs typeface="Times New Roman" panose="02020603050405020304" pitchFamily="18" charset="0"/>
+              </a:rPr>
+              <a:t>dummy permission used</a:t>
+            </a:r>
+            <a:endParaRPr lang="en-US" dirty="0">
+              <a:solidFill>
+                <a:srgbClr val="00B050"/>
+              </a:solidFill>
+              <a:latin typeface="Times New Roman" panose="02020603050405020304" pitchFamily="18" charset="0"/>
+              <a:cs typeface="Times New Roman" panose="02020603050405020304" pitchFamily="18" charset="0"/>
+            </a:endParaRPr>
           </a:p>
         </p:txBody>
       </p:sp>
@@ -4670,7 +5708,7 @@
         </p:nvSpPr>
         <p:spPr>
           <a:xfrm>
-            <a:off x="6524036" y="6205471"/>
+            <a:off x="6377168" y="6053071"/>
             <a:ext cx="2257818" cy="400110"/>
           </a:xfrm>
           <a:prstGeom prst="rect">
@@ -4687,6 +5725,9 @@
             <a:pPr algn="ctr"/>
             <a:r>
               <a:rPr lang="fr-FR" sz="2000" dirty="0" smtClean="0">
+                <a:solidFill>
+                  <a:srgbClr val="FF0000"/>
+                </a:solidFill>
                 <a:latin typeface="Times New Roman" panose="02020603050405020304" pitchFamily="18" charset="0"/>
                 <a:cs typeface="Times New Roman" panose="02020603050405020304" pitchFamily="18" charset="0"/>
               </a:rPr>
@@ -4694,12 +5735,18 @@
             </a:r>
             <a:r>
               <a:rPr lang="fr-FR" sz="2000" dirty="0" err="1" smtClean="0">
+                <a:solidFill>
+                  <a:srgbClr val="FF0000"/>
+                </a:solidFill>
                 <a:latin typeface="Times New Roman" panose="02020603050405020304" pitchFamily="18" charset="0"/>
                 <a:cs typeface="Times New Roman" panose="02020603050405020304" pitchFamily="18" charset="0"/>
               </a:rPr>
               <a:t>denial</a:t>
             </a:r>
             <a:endParaRPr lang="en-US" sz="2000" dirty="0">
+              <a:solidFill>
+                <a:srgbClr val="FF0000"/>
+              </a:solidFill>
               <a:latin typeface="Times New Roman" panose="02020603050405020304" pitchFamily="18" charset="0"/>
               <a:cs typeface="Times New Roman" panose="02020603050405020304" pitchFamily="18" charset="0"/>
             </a:endParaRPr>
@@ -4714,8 +5761,8 @@
         </p:nvSpPr>
         <p:spPr>
           <a:xfrm>
-            <a:off x="9620909" y="5178286"/>
-            <a:ext cx="2257818" cy="1015663"/>
+            <a:off x="217358" y="5636084"/>
+            <a:ext cx="2700504" cy="923330"/>
           </a:xfrm>
           <a:prstGeom prst="rect">
             <a:avLst/>
@@ -4730,33 +5777,122 @@
           <a:p>
             <a:pPr algn="ctr"/>
             <a:r>
-              <a:rPr lang="en-US" sz="2000" dirty="0">
+              <a:rPr lang="en-US" dirty="0" smtClean="0">
+                <a:solidFill>
+                  <a:srgbClr val="FF0000"/>
+                </a:solidFill>
                 <a:latin typeface="Times New Roman" panose="02020603050405020304" pitchFamily="18" charset="0"/>
                 <a:cs typeface="Times New Roman" panose="02020603050405020304" pitchFamily="18" charset="0"/>
               </a:rPr>
-              <a:t>No check points were found on a less </a:t>
-            </a:r>
-            <a:r>
-              <a:rPr lang="en-US" sz="2000" dirty="0" smtClean="0">
+              <a:t>Android </a:t>
+            </a:r>
+            <a:r>
+              <a:rPr lang="en-US" dirty="0">
+                <a:solidFill>
+                  <a:srgbClr val="FF0000"/>
+                </a:solidFill>
                 <a:latin typeface="Times New Roman" panose="02020603050405020304" pitchFamily="18" charset="0"/>
                 <a:cs typeface="Times New Roman" panose="02020603050405020304" pitchFamily="18" charset="0"/>
               </a:rPr>
-              <a:t>popular </a:t>
-            </a:r>
-            <a:r>
-              <a:rPr lang="en-US" sz="2000" dirty="0">
+              <a:t>content provider permission doesn’t exist</a:t>
+            </a:r>
+            <a:r>
+              <a:rPr lang="en-US" dirty="0">
                 <a:latin typeface="Times New Roman" panose="02020603050405020304" pitchFamily="18" charset="0"/>
                 <a:cs typeface="Times New Roman" panose="02020603050405020304" pitchFamily="18" charset="0"/>
               </a:rPr>
-              <a:t>app</a:t>
-            </a:r>
-          </a:p>
-        </p:txBody>
-      </p:sp>
+              <a:t> and </a:t>
+            </a:r>
+            <a:r>
+              <a:rPr lang="en-US" dirty="0" smtClean="0">
+                <a:solidFill>
+                  <a:srgbClr val="FF0000"/>
+                </a:solidFill>
+                <a:latin typeface="Times New Roman" panose="02020603050405020304" pitchFamily="18" charset="0"/>
+                <a:cs typeface="Times New Roman" panose="02020603050405020304" pitchFamily="18" charset="0"/>
+              </a:rPr>
+              <a:t>no permission used</a:t>
+            </a:r>
+            <a:endParaRPr lang="en-US" dirty="0">
+              <a:solidFill>
+                <a:srgbClr val="FF0000"/>
+              </a:solidFill>
+              <a:latin typeface="Times New Roman" panose="02020603050405020304" pitchFamily="18" charset="0"/>
+              <a:cs typeface="Times New Roman" panose="02020603050405020304" pitchFamily="18" charset="0"/>
+            </a:endParaRPr>
+          </a:p>
+        </p:txBody>
+      </p:sp>
+      <p:sp>
+        <p:nvSpPr>
+          <p:cNvPr id="14" name="TextBox 13"/>
+          <p:cNvSpPr txBox="1"/>
+          <p:nvPr/>
+        </p:nvSpPr>
+        <p:spPr>
+          <a:xfrm>
+            <a:off x="8894687" y="1590773"/>
+            <a:ext cx="3170307" cy="461665"/>
+          </a:xfrm>
+          <a:prstGeom prst="rect">
+            <a:avLst/>
+          </a:prstGeom>
+          <a:noFill/>
+        </p:spPr>
+        <p:txBody>
+          <a:bodyPr wrap="square" rtlCol="0">
+            <a:spAutoFit/>
+          </a:bodyPr>
+          <a:lstStyle/>
+          <a:p>
+            <a:r>
+              <a:rPr lang="en-US" sz="2400" b="1" dirty="0" smtClean="0">
+                <a:latin typeface="Times New Roman" panose="02020603050405020304" pitchFamily="18" charset="0"/>
+                <a:cs typeface="Times New Roman" panose="02020603050405020304" pitchFamily="18" charset="0"/>
+              </a:rPr>
+              <a:t>Android Marshmallow</a:t>
+            </a:r>
+            <a:endParaRPr lang="en-US" sz="2400" b="1" dirty="0">
+              <a:latin typeface="Times New Roman" panose="02020603050405020304" pitchFamily="18" charset="0"/>
+              <a:cs typeface="Times New Roman" panose="02020603050405020304" pitchFamily="18" charset="0"/>
+            </a:endParaRPr>
+          </a:p>
+        </p:txBody>
+      </p:sp>
+      <p:pic>
+        <p:nvPicPr>
+          <p:cNvPr id="16" name="Picture 15"/>
+          <p:cNvPicPr>
+            <a:picLocks noChangeAspect="1"/>
+          </p:cNvPicPr>
+          <p:nvPr/>
+        </p:nvPicPr>
+        <p:blipFill>
+          <a:blip r:embed="rId5">
+            <a:extLst>
+              <a:ext uri="{28A0092B-C50C-407E-A947-70E740481C1C}">
+                <a14:useLocalDpi xmlns:a14="http://schemas.microsoft.com/office/drawing/2010/main" val="0"/>
+              </a:ext>
+            </a:extLst>
+          </a:blip>
+          <a:stretch>
+            <a:fillRect/>
+          </a:stretch>
+        </p:blipFill>
+        <p:spPr>
+          <a:xfrm>
+            <a:off x="5811870" y="3081903"/>
+            <a:ext cx="3408219" cy="920363"/>
+          </a:xfrm>
+          <a:prstGeom prst="rect">
+            <a:avLst/>
+          </a:prstGeom>
+        </p:spPr>
+      </p:pic>
     </p:spTree>
     <p:extLst>
       <p:ext uri="{BB962C8B-B14F-4D97-AF65-F5344CB8AC3E}">
-        <p14:creationId xmlns:p14="http://schemas.microsoft.com/office/powerpoint/2010/main" val="1076180202"/>
+        <p14:creationId xmlns:p14="http://schemas.microsoft.com/office/powerpoint/2010/main" val="1259548123"/>
       </p:ext>
     </p:extLst>
   </p:cSld>
@@ -4766,7 +5902,7 @@
 </p:sld>
 </file>
 
-<file path=ppt/slides/slide4.xml><?xml version="1.0" encoding="utf-8"?>
+<file path=ppt/slides/slide5.xml><?xml version="1.0" encoding="utf-8"?>
 <p:sld xmlns:a="http://schemas.openxmlformats.org/drawingml/2006/main" xmlns:r="http://schemas.openxmlformats.org/officeDocument/2006/relationships" xmlns:p="http://schemas.openxmlformats.org/presentationml/2006/main">
   <p:cSld>
     <p:spTree>
@@ -5305,6 +6441,80 @@
           </a:p>
         </p:txBody>
       </p:sp>
+      <p:pic>
+        <p:nvPicPr>
+          <p:cNvPr id="12" name="Picture 11"/>
+          <p:cNvPicPr>
+            <a:picLocks noChangeAspect="1"/>
+          </p:cNvPicPr>
+          <p:nvPr/>
+        </p:nvPicPr>
+        <p:blipFill>
+          <a:blip r:embed="rId6" cstate="print">
+            <a:extLst>
+              <a:ext uri="{28A0092B-C50C-407E-A947-70E740481C1C}">
+                <a14:useLocalDpi xmlns:a14="http://schemas.microsoft.com/office/drawing/2010/main" val="0"/>
+              </a:ext>
+            </a:extLst>
+          </a:blip>
+          <a:stretch>
+            <a:fillRect/>
+          </a:stretch>
+        </p:blipFill>
+        <p:spPr>
+          <a:xfrm>
+            <a:off x="9791247" y="2873643"/>
+            <a:ext cx="2257818" cy="4013899"/>
+          </a:xfrm>
+          <a:prstGeom prst="rect">
+            <a:avLst/>
+          </a:prstGeom>
+        </p:spPr>
+      </p:pic>
+      <p:sp>
+        <p:nvSpPr>
+          <p:cNvPr id="2" name="TextBox 1"/>
+          <p:cNvSpPr txBox="1"/>
+          <p:nvPr/>
+        </p:nvSpPr>
+        <p:spPr>
+          <a:xfrm>
+            <a:off x="7230533" y="5226110"/>
+            <a:ext cx="2414191" cy="1015663"/>
+          </a:xfrm>
+          <a:prstGeom prst="rect">
+            <a:avLst/>
+          </a:prstGeom>
+          <a:noFill/>
+        </p:spPr>
+        <p:txBody>
+          <a:bodyPr wrap="square" rtlCol="0">
+            <a:spAutoFit/>
+          </a:bodyPr>
+          <a:lstStyle/>
+          <a:p>
+            <a:pPr algn="ctr"/>
+            <a:r>
+              <a:rPr lang="en-US" sz="2000" dirty="0">
+                <a:latin typeface="Times New Roman" panose="02020603050405020304" pitchFamily="18" charset="0"/>
+                <a:cs typeface="Times New Roman" panose="02020603050405020304" pitchFamily="18" charset="0"/>
+              </a:rPr>
+              <a:t>No check points were found on a less popular </a:t>
+            </a:r>
+            <a:r>
+              <a:rPr lang="en-US" sz="2000" dirty="0" smtClean="0">
+                <a:latin typeface="Times New Roman" panose="02020603050405020304" pitchFamily="18" charset="0"/>
+                <a:cs typeface="Times New Roman" panose="02020603050405020304" pitchFamily="18" charset="0"/>
+              </a:rPr>
+              <a:t>app</a:t>
+            </a:r>
+            <a:endParaRPr lang="en-US" sz="2000" dirty="0">
+              <a:latin typeface="Times New Roman" panose="02020603050405020304" pitchFamily="18" charset="0"/>
+              <a:cs typeface="Times New Roman" panose="02020603050405020304" pitchFamily="18" charset="0"/>
+            </a:endParaRPr>
+          </a:p>
+        </p:txBody>
+      </p:sp>
     </p:spTree>
     <p:extLst>
       <p:ext uri="{BB962C8B-B14F-4D97-AF65-F5344CB8AC3E}">
@@ -5325,7 +6535,7 @@
 </p:sld>
 </file>
 
-<file path=ppt/slides/slide5.xml><?xml version="1.0" encoding="utf-8"?>
+<file path=ppt/slides/slide6.xml><?xml version="1.0" encoding="utf-8"?>
 <p:sld xmlns:a="http://schemas.openxmlformats.org/drawingml/2006/main" xmlns:r="http://schemas.openxmlformats.org/officeDocument/2006/relationships" xmlns:p="http://schemas.openxmlformats.org/presentationml/2006/main">
   <p:cSld>
     <p:spTree>

--- a/documentation/presentations/MITRE Term end Presentation/MITRE Term end Presentation.pptx
+++ b/documentation/presentations/MITRE Term end Presentation/MITRE Term end Presentation.pptx
@@ -6627,7 +6627,7 @@
         <p:spPr>
           <a:xfrm>
             <a:off x="5905500" y="1117600"/>
-            <a:ext cx="5638800" cy="2123658"/>
+            <a:ext cx="5638800" cy="2800767"/>
           </a:xfrm>
           <a:prstGeom prst="rect">
             <a:avLst/>
@@ -6670,28 +6670,14 @@
                 <a:latin typeface="Times New Roman" panose="02020603050405020304" pitchFamily="18" charset="0"/>
                 <a:cs typeface="Times New Roman" panose="02020603050405020304" pitchFamily="18" charset="0"/>
               </a:rPr>
-              <a:t>hook</a:t>
-            </a:r>
-            <a:r>
-              <a:rPr lang="en-US" sz="2200">
-                <a:latin typeface="Times New Roman" panose="02020603050405020304" pitchFamily="18" charset="0"/>
-                <a:cs typeface="Times New Roman" panose="02020603050405020304" pitchFamily="18" charset="0"/>
-              </a:rPr>
-              <a:t>” </a:t>
-            </a:r>
-            <a:r>
-              <a:rPr lang="en-US" sz="2200" smtClean="0">
-                <a:latin typeface="Times New Roman" panose="02020603050405020304" pitchFamily="18" charset="0"/>
-                <a:cs typeface="Times New Roman" panose="02020603050405020304" pitchFamily="18" charset="0"/>
-              </a:rPr>
-              <a:t>in the </a:t>
+              <a:t>hook” </a:t>
             </a:r>
             <a:r>
               <a:rPr lang="en-US" sz="2200" dirty="0" smtClean="0">
                 <a:latin typeface="Times New Roman" panose="02020603050405020304" pitchFamily="18" charset="0"/>
                 <a:cs typeface="Times New Roman" panose="02020603050405020304" pitchFamily="18" charset="0"/>
               </a:rPr>
-              <a:t>Framework</a:t>
+              <a:t>in the Framework</a:t>
             </a:r>
             <a:endParaRPr lang="en-US" sz="2200" dirty="0">
               <a:latin typeface="Times New Roman" panose="02020603050405020304" pitchFamily="18" charset="0"/>
@@ -6717,18 +6703,11 @@
               <a:buChar char="•"/>
             </a:pPr>
             <a:r>
-              <a:rPr lang="en-US" sz="2200" dirty="0" err="1" smtClean="0">
-                <a:latin typeface="Times New Roman" panose="02020603050405020304" pitchFamily="18" charset="0"/>
-                <a:cs typeface="Times New Roman" panose="02020603050405020304" pitchFamily="18" charset="0"/>
-              </a:rPr>
-              <a:t>Heimdall</a:t>
-            </a:r>
-            <a:r>
               <a:rPr lang="en-US" sz="2200" dirty="0" smtClean="0">
                 <a:latin typeface="Times New Roman" panose="02020603050405020304" pitchFamily="18" charset="0"/>
                 <a:cs typeface="Times New Roman" panose="02020603050405020304" pitchFamily="18" charset="0"/>
               </a:rPr>
-              <a:t> server controls data security and privacy on “</a:t>
+              <a:t>Heimdall server controls data security and privacy on “</a:t>
             </a:r>
             <a:r>
               <a:rPr lang="en-US" sz="2200" dirty="0" err="1" smtClean="0">
@@ -6742,7 +6721,34 @@
                 <a:latin typeface="Times New Roman" panose="02020603050405020304" pitchFamily="18" charset="0"/>
                 <a:cs typeface="Times New Roman" panose="02020603050405020304" pitchFamily="18" charset="0"/>
               </a:rPr>
-              <a:t> enabled phones”</a:t>
+              <a:t> enabled phones</a:t>
+            </a:r>
+            <a:r>
+              <a:rPr lang="en-US" sz="2200" dirty="0" smtClean="0">
+                <a:latin typeface="Times New Roman" panose="02020603050405020304" pitchFamily="18" charset="0"/>
+                <a:cs typeface="Times New Roman" panose="02020603050405020304" pitchFamily="18" charset="0"/>
+              </a:rPr>
+              <a:t>”</a:t>
+            </a:r>
+          </a:p>
+          <a:p>
+            <a:pPr marL="285750" indent="-285750">
+              <a:buFont typeface="Arial" panose="020B0604020202020204" pitchFamily="34" charset="0"/>
+              <a:buChar char="•"/>
+            </a:pPr>
+            <a:r>
+              <a:rPr lang="en-US" sz="2200" dirty="0" smtClean="0">
+                <a:latin typeface="Times New Roman" panose="02020603050405020304" pitchFamily="18" charset="0"/>
+                <a:cs typeface="Times New Roman" panose="02020603050405020304" pitchFamily="18" charset="0"/>
+              </a:rPr>
+              <a:t>Periodically exchanges policies to keep </a:t>
+            </a:r>
+            <a:r>
+              <a:rPr lang="en-US" sz="2200" smtClean="0">
+                <a:latin typeface="Times New Roman" panose="02020603050405020304" pitchFamily="18" charset="0"/>
+                <a:cs typeface="Times New Roman" panose="02020603050405020304" pitchFamily="18" charset="0"/>
+              </a:rPr>
+              <a:t>devices safe</a:t>
             </a:r>
             <a:endParaRPr lang="en-US" sz="2200" dirty="0">
               <a:latin typeface="Times New Roman" panose="02020603050405020304" pitchFamily="18" charset="0"/>
